--- a/docs/Muhammad Alif Putra Yasa - Task 5 Presentation.pptx
+++ b/docs/Muhammad Alif Putra Yasa - Task 5 Presentation.pptx
@@ -30,6 +30,13 @@
       <p:bold r:id="rId13"/>
       <p:italic r:id="rId14"/>
       <p:boldItalic r:id="rId15"/>
+    </p:embeddedFont>
+    <p:embeddedFont>
+      <p:font typeface="JetBrains Mono" panose="02000009000000000000" pitchFamily="49" charset="0"/>
+      <p:regular r:id="rId16"/>
+      <p:bold r:id="rId17"/>
+      <p:italic r:id="rId18"/>
+      <p:boldItalic r:id="rId19"/>
     </p:embeddedFont>
   </p:embeddedFontLst>
   <p:defaultTextStyle>
@@ -397,7 +404,7 @@
       </p15:sldGuideLst>
     </p:ext>
     <p:ext uri="http://customooxmlschemas.google.com/">
-      <go:slidesCustomData xmlns:go="http://customooxmlschemas.google.com/" xmlns:ahyp="http://schemas.microsoft.com/office/drawing/2018/hyperlinkcolor" xmlns:p15="http://schemas.microsoft.com/office/powerpoint/2012/main" xmlns:p14="http://schemas.microsoft.com/office/powerpoint/2010/main" xmlns:com="http://schemas.openxmlformats.org/drawingml/2006/compatibility" xmlns:pvml="urn:schemas-microsoft-com:office:powerpoint" xmlns:v="urn:schemas-microsoft-com:vml" xmlns:o="urn:schemas-microsoft-com:office:office" xmlns:dgm="http://schemas.openxmlformats.org/drawingml/2006/diagram" xmlns:c="http://schemas.openxmlformats.org/drawingml/2006/chart" xmlns:mv="urn:schemas-microsoft-com:mac:vml" xmlns:mc="http://schemas.openxmlformats.org/markup-compatibility/2006" xmlns="" r:id="rId18" roundtripDataSignature="AMtx7mi7xhzGc8szaBXYb2Ja4QgLOQWlYw=="/>
+      <go:slidesCustomData xmlns:go="http://customooxmlschemas.google.com/" xmlns:ahyp="http://schemas.microsoft.com/office/drawing/2018/hyperlinkcolor" xmlns:p15="http://schemas.microsoft.com/office/powerpoint/2012/main" xmlns:p14="http://schemas.microsoft.com/office/powerpoint/2010/main" xmlns:com="http://schemas.openxmlformats.org/drawingml/2006/compatibility" xmlns:pvml="urn:schemas-microsoft-com:office:powerpoint" xmlns:v="urn:schemas-microsoft-com:vml" xmlns:o="urn:schemas-microsoft-com:office:office" xmlns:dgm="http://schemas.openxmlformats.org/drawingml/2006/diagram" xmlns:c="http://schemas.openxmlformats.org/drawingml/2006/chart" xmlns:mv="urn:schemas-microsoft-com:mac:vml" xmlns:mc="http://schemas.openxmlformats.org/markup-compatibility/2006" xmlns="" r:id="rId20" roundtripDataSignature="AMtx7mi7xhzGc8szaBXYb2Ja4QgLOQWlYw=="/>
     </p:ext>
   </p:extLst>
 </p:presentation>
@@ -1591,8 +1598,8 @@
         </p:nvSpPr>
         <p:spPr>
           <a:xfrm>
-            <a:off x="2286450" y="1828800"/>
-            <a:ext cx="9144600" cy="9144000"/>
+            <a:off x="-1268413" y="1828800"/>
+            <a:ext cx="16254413" cy="9144000"/>
           </a:xfrm>
           <a:custGeom>
             <a:avLst/>
@@ -33471,10 +33478,10 @@
               <a:buNone/>
             </a:pPr>
             <a:r>
-              <a:rPr lang="en-US"/>
-              <a:t>LINK VIDEO</a:t>
+              <a:rPr lang="en-US" dirty="0"/>
+              <a:t>LINKS</a:t>
             </a:r>
-            <a:endParaRPr/>
+            <a:endParaRPr dirty="0"/>
           </a:p>
         </p:txBody>
       </p:sp>
@@ -33507,7 +33514,7 @@
           </a:bodyPr>
           <a:lstStyle/>
           <a:p>
-            <a:pPr marL="0" lvl="0" indent="0" algn="ctr" rtl="0">
+            <a:pPr marL="0" lvl="0" indent="0" rtl="0">
               <a:lnSpc>
                 <a:spcPct val="115000"/>
               </a:lnSpc>
@@ -33525,13 +33532,27 @@
               <a:buNone/>
             </a:pPr>
             <a:r>
-              <a:rPr lang="en-US" sz="2200"/>
-              <a:t>Cantumkan link video yang telah anda buat </a:t>
+              <a:rPr lang="en-US" sz="1800" b="1" dirty="0">
+                <a:latin typeface="JetBrains Mono" panose="02000009000000000000" pitchFamily="49" charset="0"/>
+                <a:cs typeface="JetBrains Mono" panose="02000009000000000000" pitchFamily="49" charset="0"/>
+              </a:rPr>
+              <a:t>Video	: </a:t>
             </a:r>
-            <a:endParaRPr sz="2200"/>
+            <a:r>
+              <a:rPr lang="id-ID" sz="1800" b="1" dirty="0">
+                <a:latin typeface="JetBrains Mono" panose="02000009000000000000" pitchFamily="49" charset="0"/>
+                <a:cs typeface="JetBrains Mono" panose="02000009000000000000" pitchFamily="49" charset="0"/>
+                <a:hlinkClick r:id="rId3"/>
+              </a:rPr>
+              <a:t>https://youtu.be/_-AQff_46Ds</a:t>
+            </a:r>
+            <a:endParaRPr lang="en-US" sz="1800" b="1" dirty="0">
+              <a:latin typeface="JetBrains Mono" panose="02000009000000000000" pitchFamily="49" charset="0"/>
+              <a:cs typeface="JetBrains Mono" panose="02000009000000000000" pitchFamily="49" charset="0"/>
+            </a:endParaRPr>
           </a:p>
           <a:p>
-            <a:pPr marL="0" lvl="0" indent="0" algn="ctr" rtl="0">
+            <a:pPr marL="0" lvl="0" indent="0" rtl="0">
               <a:lnSpc>
                 <a:spcPct val="115000"/>
               </a:lnSpc>
@@ -33549,46 +33570,24 @@
               <a:buNone/>
             </a:pPr>
             <a:r>
-              <a:rPr lang="en-US" sz="2200"/>
-              <a:t>(dan media pendukung lain jika ada) di sini:</a:t>
-            </a:r>
-            <a:endParaRPr sz="2200"/>
-          </a:p>
-          <a:p>
-            <a:pPr marL="0" lvl="0" indent="0" algn="ctr" rtl="0">
-              <a:lnSpc>
-                <a:spcPct val="115000"/>
-              </a:lnSpc>
-              <a:spcBef>
-                <a:spcPts val="0"/>
-              </a:spcBef>
-              <a:spcAft>
-                <a:spcPts val="0"/>
-              </a:spcAft>
-              <a:buClr>
-                <a:schemeClr val="dk1"/>
-              </a:buClr>
-              <a:buSzPts val="1100"/>
-              <a:buFont typeface="Arial"/>
-              <a:buNone/>
-            </a:pPr>
-            <a:r>
-              <a:rPr lang="en-US" sz="2200"/>
-              <a:t>Boleh berupa </a:t>
+              <a:rPr lang="en-US" sz="1800" b="1" dirty="0">
+                <a:latin typeface="JetBrains Mono" panose="02000009000000000000" pitchFamily="49" charset="0"/>
+                <a:cs typeface="JetBrains Mono" panose="02000009000000000000" pitchFamily="49" charset="0"/>
+              </a:rPr>
+              <a:t>GitHub	: </a:t>
             </a:r>
             <a:r>
-              <a:rPr lang="en-US" sz="2200" b="1"/>
-              <a:t>link youtube (Unlisted Video)</a:t>
+              <a:rPr lang="en-US" sz="1800" b="1" dirty="0">
+                <a:latin typeface="JetBrains Mono" panose="02000009000000000000" pitchFamily="49" charset="0"/>
+                <a:cs typeface="JetBrains Mono" panose="02000009000000000000" pitchFamily="49" charset="0"/>
+                <a:hlinkClick r:id="rId4"/>
+              </a:rPr>
+              <a:t>https://github.com/alifyasa/pbi-project</a:t>
             </a:r>
-            <a:r>
-              <a:rPr lang="en-US" sz="2200"/>
-              <a:t> ataupun link </a:t>
-            </a:r>
-            <a:r>
-              <a:rPr lang="en-US" sz="2200" b="1"/>
-              <a:t>google drive (Pastikan aksesnya bisa dilihat)</a:t>
-            </a:r>
-            <a:endParaRPr b="1"/>
+            <a:endParaRPr sz="1800" b="1" dirty="0">
+              <a:latin typeface="JetBrains Mono" panose="02000009000000000000" pitchFamily="49" charset="0"/>
+              <a:cs typeface="JetBrains Mono" panose="02000009000000000000" pitchFamily="49" charset="0"/>
+            </a:endParaRPr>
           </a:p>
         </p:txBody>
       </p:sp>
@@ -33691,7 +33690,7 @@
           <p:nvPr/>
         </p:nvPicPr>
         <p:blipFill>
-          <a:blip r:embed="rId3">
+          <a:blip r:embed="rId5">
             <a:alphaModFix/>
           </a:blip>
           <a:stretch>
